--- a/AariaJoystick.pptx
+++ b/AariaJoystick.pptx
@@ -9249,6 +9249,15 @@
                 <a:hlinkClick r:id="rId2"/>
               </a:rPr>
               <a:t>g/personal/arttu_hautakoski_tut_fi/EkXFqUKi4JlOkWc024nT-YgBaE7B3IdKrfwLUX84c8m0PA</a:t>
+            </a:r>
+            <a:endParaRPr lang="en-GB" sz="2000" dirty="0" smtClean="0"/>
+          </a:p>
+          <a:p>
+            <a:r>
+              <a:rPr lang="en-US" sz="2000" dirty="0" smtClean="0">
+                <a:hlinkClick r:id="rId3"/>
+              </a:rPr>
+              <a:t>https://github.com/ArttuHautakoski/Aaria</a:t>
             </a:r>
             <a:endParaRPr lang="en-GB" sz="2000" dirty="0" smtClean="0"/>
           </a:p>
